--- a/database/slides/JUBILEE_PRAYER.pptx
+++ b/database/slides/JUBILEE_PRAYER.pptx
@@ -15933,7 +15933,13 @@
       </p:sp>
       <p:sp>
         <p:nvSpPr>
-          <p:cNvPr id="131" name="Google Shape;131;p25"/>
+          <p:cNvPr id="2" name="Google Shape;131;p25">
+            <a:extLst>
+              <a:ext uri="{FF2B5EF4-FFF2-40B4-BE49-F238E27FC236}">
+                <a16:creationId xmlns:a16="http://schemas.microsoft.com/office/drawing/2014/main" id="{6E48B6CD-E7C6-6816-BE50-C5B2609E42F2}"/>
+              </a:ext>
+            </a:extLst>
+          </p:cNvPr>
           <p:cNvSpPr txBox="1"/>
           <p:nvPr/>
         </p:nvSpPr>
@@ -15956,11 +15962,19 @@
           </a:bodyPr>
           <a:lstStyle/>
           <a:p>
-            <a:pPr>
+            <a:pPr marL="0" lvl="0" indent="0" algn="l" rtl="0">
+              <a:spcBef>
+                <a:spcPts val="0"/>
+              </a:spcBef>
+              <a:spcAft>
+                <a:spcPts val="0"/>
+              </a:spcAft>
               <a:buClr>
                 <a:schemeClr val="lt1"/>
               </a:buClr>
               <a:buSzPts val="3200"/>
+              <a:buFont typeface="Arial"/>
+              <a:buNone/>
             </a:pPr>
             <a:r>
               <a:rPr lang="en-GB" sz="3600" b="1" i="1" dirty="0">
@@ -15974,7 +15988,7 @@
               </a:rPr>
               <a:t>contd..</a:t>
             </a:r>
-            <a:endParaRPr lang="en-GB" sz="3600" dirty="0">
+            <a:endParaRPr sz="3600" dirty="0">
               <a:latin typeface="Calibri"/>
               <a:ea typeface="Calibri"/>
               <a:cs typeface="Calibri"/>

--- a/database/slides/JUBILEE_PRAYER.pptx
+++ b/database/slides/JUBILEE_PRAYER.pptx
@@ -15632,7 +15632,7 @@
               <a:buNone/>
             </a:pPr>
             <a:r>
-              <a:rPr lang="en-GB" sz="3350" b="1" dirty="0">
+              <a:rPr lang="en-GB" sz="3800" b="1" dirty="0">
                 <a:solidFill>
                   <a:schemeClr val="bg1"/>
                 </a:solidFill>
@@ -15643,7 +15643,7 @@
               <a:t>Father in heaven </a:t>
             </a:r>
             <a:r>
-              <a:rPr lang="en-GB" sz="3350" b="1" dirty="0">
+              <a:rPr lang="en-GB" sz="3800" b="1" dirty="0">
                 <a:solidFill>
                   <a:srgbClr val="FFFF00"/>
                 </a:solidFill>
@@ -15654,7 +15654,7 @@
               <a:t>/</a:t>
             </a:r>
             <a:r>
-              <a:rPr lang="en-GB" sz="3350" b="1" dirty="0">
+              <a:rPr lang="en-GB" sz="3800" b="1" dirty="0">
                 <a:solidFill>
                   <a:schemeClr val="bg1"/>
                 </a:solidFill>
@@ -15665,7 +15665,7 @@
               <a:t> may the faith you have given us in your son  </a:t>
             </a:r>
             <a:r>
-              <a:rPr lang="en-GB" sz="3350" b="1" dirty="0">
+              <a:rPr lang="en-GB" sz="3800" b="1" dirty="0">
                 <a:solidFill>
                   <a:srgbClr val="FFFF00"/>
                 </a:solidFill>
@@ -15676,7 +15676,7 @@
               <a:t>/</a:t>
             </a:r>
             <a:r>
-              <a:rPr lang="en-GB" sz="3350" b="1" dirty="0">
+              <a:rPr lang="en-GB" sz="3800" b="1" dirty="0">
                 <a:solidFill>
                   <a:schemeClr val="bg1"/>
                 </a:solidFill>
@@ -15687,7 +15687,7 @@
               <a:t> Jesus Christ, our brother </a:t>
             </a:r>
             <a:r>
-              <a:rPr lang="en-GB" sz="3350" b="1" dirty="0">
+              <a:rPr lang="en-GB" sz="3800" b="1" dirty="0">
                 <a:solidFill>
                   <a:srgbClr val="FFFF00"/>
                 </a:solidFill>
@@ -15698,7 +15698,7 @@
               <a:t>/</a:t>
             </a:r>
             <a:r>
-              <a:rPr lang="en-GB" sz="3350" b="1" dirty="0">
+              <a:rPr lang="en-GB" sz="3800" b="1" dirty="0">
                 <a:solidFill>
                   <a:schemeClr val="bg1"/>
                 </a:solidFill>
@@ -15709,7 +15709,7 @@
               <a:t> and the flame of charity </a:t>
             </a:r>
             <a:r>
-              <a:rPr lang="en-GB" sz="3350" b="1" dirty="0">
+              <a:rPr lang="en-GB" sz="3800" b="1" dirty="0">
                 <a:solidFill>
                   <a:srgbClr val="FFFF00"/>
                 </a:solidFill>
@@ -15720,7 +15720,7 @@
               <a:t>/</a:t>
             </a:r>
             <a:r>
-              <a:rPr lang="en-GB" sz="3350" b="1" dirty="0">
+              <a:rPr lang="en-GB" sz="3800" b="1" dirty="0">
                 <a:solidFill>
                   <a:schemeClr val="bg1"/>
                 </a:solidFill>
@@ -15731,7 +15731,7 @@
               <a:t> enkindled in our hearts by the Holy Spirit </a:t>
             </a:r>
             <a:r>
-              <a:rPr lang="en-GB" sz="3350" b="1" dirty="0">
+              <a:rPr lang="en-GB" sz="3800" b="1" dirty="0">
                 <a:solidFill>
                   <a:srgbClr val="FFFF00"/>
                 </a:solidFill>
@@ -15742,7 +15742,7 @@
               <a:t>/</a:t>
             </a:r>
             <a:r>
-              <a:rPr lang="en-GB" sz="3350" b="1" dirty="0">
+              <a:rPr lang="en-GB" sz="3800" b="1" dirty="0">
                 <a:solidFill>
                   <a:schemeClr val="bg1"/>
                 </a:solidFill>
@@ -15753,7 +15753,7 @@
               <a:t> reawaken in us </a:t>
             </a:r>
             <a:r>
-              <a:rPr lang="en-GB" sz="3350" b="1" dirty="0">
+              <a:rPr lang="en-GB" sz="3800" b="1" dirty="0">
                 <a:solidFill>
                   <a:srgbClr val="FFFF00"/>
                 </a:solidFill>
@@ -15764,7 +15764,7 @@
               <a:t>/</a:t>
             </a:r>
             <a:r>
-              <a:rPr lang="en-GB" sz="3350" b="1" dirty="0">
+              <a:rPr lang="en-GB" sz="3800" b="1" dirty="0">
                 <a:solidFill>
                   <a:schemeClr val="bg1"/>
                 </a:solidFill>
@@ -15775,7 +15775,7 @@
               <a:t> the blessed hope for the coming of your Kingdom. </a:t>
             </a:r>
             <a:r>
-              <a:rPr lang="en-GB" sz="3350" b="1" dirty="0">
+              <a:rPr lang="en-GB" sz="3800" b="1" dirty="0">
                 <a:solidFill>
                   <a:srgbClr val="FFFF00"/>
                 </a:solidFill>
@@ -15786,7 +15786,7 @@
               <a:t>/</a:t>
             </a:r>
             <a:r>
-              <a:rPr lang="en-GB" sz="3350" b="1" dirty="0">
+              <a:rPr lang="en-GB" sz="3800" b="1" dirty="0">
                 <a:solidFill>
                   <a:schemeClr val="bg1"/>
                 </a:solidFill>
@@ -15797,7 +15797,7 @@
               <a:t> May your grace transform us </a:t>
             </a:r>
             <a:r>
-              <a:rPr lang="en-GB" sz="3350" b="1" dirty="0">
+              <a:rPr lang="en-GB" sz="3800" b="1" dirty="0">
                 <a:solidFill>
                   <a:srgbClr val="FFFF00"/>
                 </a:solidFill>
@@ -15808,7 +15808,7 @@
               <a:t>/</a:t>
             </a:r>
             <a:r>
-              <a:rPr lang="en-GB" sz="3350" b="1" dirty="0">
+              <a:rPr lang="en-GB" sz="3800" b="1" dirty="0">
                 <a:solidFill>
                   <a:schemeClr val="bg1"/>
                 </a:solidFill>
@@ -15819,7 +15819,7 @@
               <a:t> into tireless cultivators of the seeds of the Gospel. </a:t>
             </a:r>
             <a:r>
-              <a:rPr lang="en-GB" sz="3350" b="1" dirty="0">
+              <a:rPr lang="en-GB" sz="3800" b="1" dirty="0">
                 <a:solidFill>
                   <a:srgbClr val="FFFF00"/>
                 </a:solidFill>
@@ -15830,7 +15830,7 @@
               <a:t>/</a:t>
             </a:r>
             <a:r>
-              <a:rPr lang="en-GB" sz="3350" b="1" dirty="0">
+              <a:rPr lang="en-GB" sz="3800" b="1" dirty="0">
                 <a:solidFill>
                   <a:schemeClr val="bg1"/>
                 </a:solidFill>
@@ -15841,7 +15841,7 @@
               <a:t> May those seeds transform from within </a:t>
             </a:r>
             <a:r>
-              <a:rPr lang="en-GB" sz="3350" b="1" dirty="0">
+              <a:rPr lang="en-GB" sz="3800" b="1" dirty="0">
                 <a:solidFill>
                   <a:srgbClr val="FFFF00"/>
                 </a:solidFill>
@@ -15852,7 +15852,7 @@
               <a:t>/</a:t>
             </a:r>
             <a:r>
-              <a:rPr lang="en-GB" sz="3350" b="1" dirty="0">
+              <a:rPr lang="en-GB" sz="3800" b="1" dirty="0">
                 <a:solidFill>
                   <a:schemeClr val="bg1"/>
                 </a:solidFill>
@@ -15863,7 +15863,7 @@
               <a:t> both humanity and the whole cosmos </a:t>
             </a:r>
             <a:r>
-              <a:rPr lang="en-GB" sz="3350" b="1" dirty="0">
+              <a:rPr lang="en-GB" sz="3800" b="1" dirty="0">
                 <a:solidFill>
                   <a:srgbClr val="FFFF00"/>
                 </a:solidFill>
@@ -15874,7 +15874,7 @@
               <a:t>/</a:t>
             </a:r>
             <a:r>
-              <a:rPr lang="en-GB" sz="3350" b="1" dirty="0">
+              <a:rPr lang="en-GB" sz="3800" b="1" dirty="0">
                 <a:solidFill>
                   <a:schemeClr val="bg1"/>
                 </a:solidFill>
@@ -15882,51 +15882,7 @@
                 <a:ea typeface="Calibri" panose="020F0502020204030204" pitchFamily="34" charset="0"/>
                 <a:cs typeface="Calibri" panose="020F0502020204030204" pitchFamily="34" charset="0"/>
               </a:rPr>
-              <a:t> in the sure expectation of a new heaven and a new earth </a:t>
-            </a:r>
-            <a:r>
-              <a:rPr lang="en-GB" sz="3350" b="1" dirty="0">
-                <a:solidFill>
-                  <a:srgbClr val="FFFF00"/>
-                </a:solidFill>
-                <a:latin typeface="Calibri" panose="020F0502020204030204" pitchFamily="34" charset="0"/>
-                <a:ea typeface="Calibri" panose="020F0502020204030204" pitchFamily="34" charset="0"/>
-                <a:cs typeface="Calibri" panose="020F0502020204030204" pitchFamily="34" charset="0"/>
-              </a:rPr>
-              <a:t>/</a:t>
-            </a:r>
-            <a:r>
-              <a:rPr lang="en-GB" sz="3350" b="1" dirty="0">
-                <a:solidFill>
-                  <a:schemeClr val="bg1"/>
-                </a:solidFill>
-                <a:latin typeface="Calibri" panose="020F0502020204030204" pitchFamily="34" charset="0"/>
-                <a:ea typeface="Calibri" panose="020F0502020204030204" pitchFamily="34" charset="0"/>
-                <a:cs typeface="Calibri" panose="020F0502020204030204" pitchFamily="34" charset="0"/>
-              </a:rPr>
-              <a:t> when, with the powers of Evil vanquished </a:t>
-            </a:r>
-            <a:r>
-              <a:rPr lang="en-GB" sz="3350" b="1" dirty="0">
-                <a:solidFill>
-                  <a:srgbClr val="FFFF00"/>
-                </a:solidFill>
-                <a:latin typeface="Calibri" panose="020F0502020204030204" pitchFamily="34" charset="0"/>
-                <a:ea typeface="Calibri" panose="020F0502020204030204" pitchFamily="34" charset="0"/>
-                <a:cs typeface="Calibri" panose="020F0502020204030204" pitchFamily="34" charset="0"/>
-              </a:rPr>
-              <a:t>/</a:t>
-            </a:r>
-            <a:r>
-              <a:rPr lang="en-GB" sz="3350" b="1" dirty="0">
-                <a:solidFill>
-                  <a:schemeClr val="bg1"/>
-                </a:solidFill>
-                <a:latin typeface="Calibri" panose="020F0502020204030204" pitchFamily="34" charset="0"/>
-                <a:ea typeface="Calibri" panose="020F0502020204030204" pitchFamily="34" charset="0"/>
-                <a:cs typeface="Calibri" panose="020F0502020204030204" pitchFamily="34" charset="0"/>
-              </a:rPr>
-              <a:t> your glory will shine eternally.</a:t>
+              <a:t> in the sure expectation</a:t>
             </a:r>
           </a:p>
         </p:txBody>
@@ -16136,7 +16092,7 @@
               <a:buNone/>
             </a:pPr>
             <a:r>
-              <a:rPr lang="en-GB" sz="3600" b="1" dirty="0">
+              <a:rPr lang="en-GB" sz="3800" b="1" dirty="0">
                 <a:solidFill>
                   <a:schemeClr val="bg1"/>
                 </a:solidFill>
@@ -16144,10 +16100,10 @@
                 <a:ea typeface="Calibri" panose="020F0502020204030204" pitchFamily="34" charset="0"/>
                 <a:cs typeface="Calibri" panose="020F0502020204030204" pitchFamily="34" charset="0"/>
               </a:rPr>
-              <a:t>May the grace of the Jubilee reawaken in us </a:t>
+              <a:t>of a new heaven and a new earth </a:t>
             </a:r>
             <a:r>
-              <a:rPr lang="en-GB" sz="3600" b="1" dirty="0">
+              <a:rPr lang="en-GB" sz="3800" b="1" dirty="0">
                 <a:solidFill>
                   <a:srgbClr val="FFFF00"/>
                 </a:solidFill>
@@ -16158,7 +16114,51 @@
               <a:t>/</a:t>
             </a:r>
             <a:r>
-              <a:rPr lang="en-GB" sz="3600" b="1" dirty="0">
+              <a:rPr lang="en-GB" sz="3800" b="1" dirty="0">
+                <a:solidFill>
+                  <a:schemeClr val="bg1"/>
+                </a:solidFill>
+                <a:latin typeface="Calibri" panose="020F0502020204030204" pitchFamily="34" charset="0"/>
+                <a:ea typeface="Calibri" panose="020F0502020204030204" pitchFamily="34" charset="0"/>
+                <a:cs typeface="Calibri" panose="020F0502020204030204" pitchFamily="34" charset="0"/>
+              </a:rPr>
+              <a:t> when, with the powers of Evil vanquished </a:t>
+            </a:r>
+            <a:r>
+              <a:rPr lang="en-GB" sz="3800" b="1" dirty="0">
+                <a:solidFill>
+                  <a:srgbClr val="FFFF00"/>
+                </a:solidFill>
+                <a:latin typeface="Calibri" panose="020F0502020204030204" pitchFamily="34" charset="0"/>
+                <a:ea typeface="Calibri" panose="020F0502020204030204" pitchFamily="34" charset="0"/>
+                <a:cs typeface="Calibri" panose="020F0502020204030204" pitchFamily="34" charset="0"/>
+              </a:rPr>
+              <a:t>/</a:t>
+            </a:r>
+            <a:r>
+              <a:rPr lang="en-GB" sz="3800" b="1" dirty="0">
+                <a:solidFill>
+                  <a:schemeClr val="bg1"/>
+                </a:solidFill>
+                <a:latin typeface="Calibri" panose="020F0502020204030204" pitchFamily="34" charset="0"/>
+                <a:ea typeface="Calibri" panose="020F0502020204030204" pitchFamily="34" charset="0"/>
+                <a:cs typeface="Calibri" panose="020F0502020204030204" pitchFamily="34" charset="0"/>
+              </a:rPr>
+              <a:t> your glory will shine eternally. May the grace of the Jubilee reawaken in us </a:t>
+            </a:r>
+            <a:r>
+              <a:rPr lang="en-GB" sz="3800" b="1" dirty="0">
+                <a:solidFill>
+                  <a:srgbClr val="FFFF00"/>
+                </a:solidFill>
+                <a:latin typeface="Calibri" panose="020F0502020204030204" pitchFamily="34" charset="0"/>
+                <a:ea typeface="Calibri" panose="020F0502020204030204" pitchFamily="34" charset="0"/>
+                <a:cs typeface="Calibri" panose="020F0502020204030204" pitchFamily="34" charset="0"/>
+              </a:rPr>
+              <a:t>/</a:t>
+            </a:r>
+            <a:r>
+              <a:rPr lang="en-GB" sz="3800" b="1" dirty="0">
                 <a:solidFill>
                   <a:schemeClr val="bg1"/>
                 </a:solidFill>
@@ -16169,7 +16169,7 @@
               <a:t> Pilgrims of Hope </a:t>
             </a:r>
             <a:r>
-              <a:rPr lang="en-GB" sz="3600" b="1" dirty="0">
+              <a:rPr lang="en-GB" sz="3800" b="1" dirty="0">
                 <a:solidFill>
                   <a:srgbClr val="FFFF00"/>
                 </a:solidFill>
@@ -16180,7 +16180,7 @@
               <a:t>/</a:t>
             </a:r>
             <a:r>
-              <a:rPr lang="en-GB" sz="3600" b="1" dirty="0">
+              <a:rPr lang="en-GB" sz="3800" b="1" dirty="0">
                 <a:solidFill>
                   <a:schemeClr val="bg1"/>
                 </a:solidFill>
@@ -16188,7 +16188,7 @@
                 <a:ea typeface="Calibri" panose="020F0502020204030204" pitchFamily="34" charset="0"/>
                 <a:cs typeface="Calibri" panose="020F0502020204030204" pitchFamily="34" charset="0"/>
               </a:rPr>
-              <a:t> a yearning for the treasures of Heaven.</a:t>
+              <a:t> a yearning for the treasures of heaven.</a:t>
             </a:r>
           </a:p>
           <a:p>
@@ -16205,7 +16205,7 @@
               <a:buNone/>
             </a:pPr>
             <a:r>
-              <a:rPr lang="en-GB" sz="3600" b="1" dirty="0">
+              <a:rPr lang="en-GB" sz="3800" b="1" dirty="0">
                 <a:solidFill>
                   <a:schemeClr val="bg1"/>
                 </a:solidFill>
@@ -16216,7 +16216,7 @@
               <a:t>May that same grace </a:t>
             </a:r>
             <a:r>
-              <a:rPr lang="en-GB" sz="3600" b="1" dirty="0">
+              <a:rPr lang="en-GB" sz="3800" b="1" dirty="0">
                 <a:solidFill>
                   <a:srgbClr val="FFFF00"/>
                 </a:solidFill>
@@ -16227,7 +16227,7 @@
               <a:t>/</a:t>
             </a:r>
             <a:r>
-              <a:rPr lang="en-GB" sz="3600" b="1" dirty="0">
+              <a:rPr lang="en-GB" sz="3800" b="1" dirty="0">
                 <a:solidFill>
                   <a:schemeClr val="bg1"/>
                 </a:solidFill>
@@ -16238,7 +16238,7 @@
               <a:t> spread the joy and peace of our Redeemer throughout the earth </a:t>
             </a:r>
             <a:r>
-              <a:rPr lang="en-GB" sz="3600" b="1" dirty="0">
+              <a:rPr lang="en-GB" sz="3800" b="1" dirty="0">
                 <a:solidFill>
                   <a:srgbClr val="FFFF00"/>
                 </a:solidFill>
@@ -16249,7 +16249,7 @@
               <a:t>/</a:t>
             </a:r>
             <a:r>
-              <a:rPr lang="en-GB" sz="3600" b="1" dirty="0">
+              <a:rPr lang="en-GB" sz="3800" b="1" dirty="0">
                 <a:solidFill>
                   <a:schemeClr val="bg1"/>
                 </a:solidFill>
